--- a/TypeCobol_Stk/TypeCobol.DocumentModel/Documents/POC TypeCOBOL DOM.pptx
+++ b/TypeCobol_Stk/TypeCobol.DocumentModel/Documents/POC TypeCOBOL DOM.pptx
@@ -20,8 +20,9 @@
     <p:sldId id="268" r:id="rId14"/>
     <p:sldId id="269" r:id="rId15"/>
     <p:sldId id="270" r:id="rId16"/>
-    <p:sldId id="271" r:id="rId17"/>
-    <p:sldId id="272" r:id="rId18"/>
+    <p:sldId id="273" r:id="rId17"/>
+    <p:sldId id="271" r:id="rId18"/>
+    <p:sldId id="272" r:id="rId19"/>
   </p:sldIdLst>
   <p:sldSz cx="12192000" cy="6858000"/>
   <p:notesSz cx="6858000" cy="9144000"/>
@@ -120,6 +121,11 @@
       </a:defRPr>
     </a:lvl9pPr>
   </p:defaultTextStyle>
+  <p:extLst>
+    <p:ext uri="{EFAFB233-063F-42B5-8137-9DF3F51BA10A}">
+      <p15:sldGuideLst xmlns:p15="http://schemas.microsoft.com/office/powerpoint/2012/main"/>
+    </p:ext>
+  </p:extLst>
 </p:presentation>
 </file>
 
@@ -3268,9 +3274,9 @@
   <dgm:cxnLst>
     <dgm:cxn modelId="{E372C439-2D29-4F68-9096-AB01D98205AB}" srcId="{EDFD7888-0DEC-4061-BC41-6804D2727BFA}" destId="{FE5800D6-AF09-4F4D-8077-DBEE6D8F3114}" srcOrd="0" destOrd="0" parTransId="{A8614954-0EA3-4899-A41D-692DB34AEF41}" sibTransId="{13F1562F-FBD3-47B7-BC68-5455F7677BC1}"/>
     <dgm:cxn modelId="{F5675621-DE02-4018-9703-EE80DEA03B20}" type="presOf" srcId="{EDFD7888-0DEC-4061-BC41-6804D2727BFA}" destId="{B2BEBF02-06F7-4634-82DB-CBCF82633F5D}" srcOrd="0" destOrd="0" presId="urn:microsoft.com/office/officeart/2005/8/layout/chevron1"/>
+    <dgm:cxn modelId="{780D737C-8E34-427A-9269-818158FDD73A}" srcId="{EDFD7888-0DEC-4061-BC41-6804D2727BFA}" destId="{C2987DA2-137A-4503-92B9-EE3CB66F777B}" srcOrd="1" destOrd="0" parTransId="{F1261B74-077E-463A-A514-3D12DEB253A1}" sibTransId="{D24180BE-F901-4C22-8E82-39D0F6669FF4}"/>
+    <dgm:cxn modelId="{AF872AF3-6BC3-407E-BFC3-5F9D674D12A1}" type="presOf" srcId="{C2987DA2-137A-4503-92B9-EE3CB66F777B}" destId="{4F8E9FBA-2192-418E-89B2-DCDDA1948AFE}" srcOrd="0" destOrd="0" presId="urn:microsoft.com/office/officeart/2005/8/layout/chevron1"/>
     <dgm:cxn modelId="{4D5D8E89-EC94-4D73-9E5B-0CF6455507AD}" type="presOf" srcId="{FE5800D6-AF09-4F4D-8077-DBEE6D8F3114}" destId="{60EFE538-2480-4DE7-B33B-0375F545298D}" srcOrd="0" destOrd="0" presId="urn:microsoft.com/office/officeart/2005/8/layout/chevron1"/>
-    <dgm:cxn modelId="{AF872AF3-6BC3-407E-BFC3-5F9D674D12A1}" type="presOf" srcId="{C2987DA2-137A-4503-92B9-EE3CB66F777B}" destId="{4F8E9FBA-2192-418E-89B2-DCDDA1948AFE}" srcOrd="0" destOrd="0" presId="urn:microsoft.com/office/officeart/2005/8/layout/chevron1"/>
-    <dgm:cxn modelId="{780D737C-8E34-427A-9269-818158FDD73A}" srcId="{EDFD7888-0DEC-4061-BC41-6804D2727BFA}" destId="{C2987DA2-137A-4503-92B9-EE3CB66F777B}" srcOrd="1" destOrd="0" parTransId="{F1261B74-077E-463A-A514-3D12DEB253A1}" sibTransId="{D24180BE-F901-4C22-8E82-39D0F6669FF4}"/>
     <dgm:cxn modelId="{450CFFC8-5D7C-4033-8B6A-0219623F9967}" type="presParOf" srcId="{B2BEBF02-06F7-4634-82DB-CBCF82633F5D}" destId="{60EFE538-2480-4DE7-B33B-0375F545298D}" srcOrd="0" destOrd="0" presId="urn:microsoft.com/office/officeart/2005/8/layout/chevron1"/>
     <dgm:cxn modelId="{C976027D-151A-4975-8F79-8AC04EBD2844}" type="presParOf" srcId="{B2BEBF02-06F7-4634-82DB-CBCF82633F5D}" destId="{389314EC-955A-47DC-B7AE-6E9B83C64634}" srcOrd="1" destOrd="0" presId="urn:microsoft.com/office/officeart/2005/8/layout/chevron1"/>
     <dgm:cxn modelId="{6888F8BF-D5C9-4EA0-8665-A376CFD748D7}" type="presParOf" srcId="{B2BEBF02-06F7-4634-82DB-CBCF82633F5D}" destId="{4F8E9FBA-2192-418E-89B2-DCDDA1948AFE}" srcOrd="2" destOrd="0" presId="urn:microsoft.com/office/officeart/2005/8/layout/chevron1"/>
@@ -3434,6 +3440,13 @@
         </dgm:presLayoutVars>
       </dgm:prSet>
       <dgm:spPr/>
+      <dgm:t>
+        <a:bodyPr/>
+        <a:lstStyle/>
+        <a:p>
+          <a:endParaRPr lang="fr-FR"/>
+        </a:p>
+      </dgm:t>
     </dgm:pt>
     <dgm:pt modelId="{106C5C48-33FF-48DF-BE0E-6651D20C43EB}" type="pres">
       <dgm:prSet presAssocID="{A06C700B-AB7F-4262-BD85-DC3F27551F7A}" presName="parTxOnlySpace" presStyleCnt="0"/>
@@ -3448,6 +3461,13 @@
         </dgm:presLayoutVars>
       </dgm:prSet>
       <dgm:spPr/>
+      <dgm:t>
+        <a:bodyPr/>
+        <a:lstStyle/>
+        <a:p>
+          <a:endParaRPr lang="fr-FR"/>
+        </a:p>
+      </dgm:t>
     </dgm:pt>
     <dgm:pt modelId="{6905C62F-CE65-4546-87F0-F97BB6F2A746}" type="pres">
       <dgm:prSet presAssocID="{E2AF1AE8-A856-471A-97C2-63F10E833255}" presName="parTxOnlySpace" presStyleCnt="0"/>
@@ -3558,12 +3578,19 @@
         </dgm:presLayoutVars>
       </dgm:prSet>
       <dgm:spPr/>
+      <dgm:t>
+        <a:bodyPr/>
+        <a:lstStyle/>
+        <a:p>
+          <a:endParaRPr lang="fr-FR"/>
+        </a:p>
+      </dgm:t>
     </dgm:pt>
   </dgm:ptLst>
   <dgm:cxnLst>
+    <dgm:cxn modelId="{DB17113B-3AA0-44C5-B02E-883945FE05CF}" type="presOf" srcId="{16A3108F-5DC6-4EAC-9E78-5B9C1B145ECC}" destId="{A2459C30-7D6F-4FE3-8C74-4D970BB3E140}" srcOrd="0" destOrd="0" presId="urn:microsoft.com/office/officeart/2005/8/layout/chevron1"/>
+    <dgm:cxn modelId="{F832D265-3DAB-4643-B533-57E1B21432DD}" type="presOf" srcId="{A61A7842-970E-4D94-B21F-75896AFB5D0C}" destId="{067B0BA2-194F-4D1D-B6A8-18846252355B}" srcOrd="0" destOrd="0" presId="urn:microsoft.com/office/officeart/2005/8/layout/chevron1"/>
     <dgm:cxn modelId="{4DE3B184-B127-44F9-A152-31B2899E26B5}" srcId="{A61A7842-970E-4D94-B21F-75896AFB5D0C}" destId="{16A3108F-5DC6-4EAC-9E78-5B9C1B145ECC}" srcOrd="0" destOrd="0" parTransId="{37F952FB-7EFF-4654-9E7D-81FCB576F735}" sibTransId="{A1198375-38EE-4C62-AEE8-3B605CF84630}"/>
-    <dgm:cxn modelId="{F832D265-3DAB-4643-B533-57E1B21432DD}" type="presOf" srcId="{A61A7842-970E-4D94-B21F-75896AFB5D0C}" destId="{067B0BA2-194F-4D1D-B6A8-18846252355B}" srcOrd="0" destOrd="0" presId="urn:microsoft.com/office/officeart/2005/8/layout/chevron1"/>
-    <dgm:cxn modelId="{DB17113B-3AA0-44C5-B02E-883945FE05CF}" type="presOf" srcId="{16A3108F-5DC6-4EAC-9E78-5B9C1B145ECC}" destId="{A2459C30-7D6F-4FE3-8C74-4D970BB3E140}" srcOrd="0" destOrd="0" presId="urn:microsoft.com/office/officeart/2005/8/layout/chevron1"/>
     <dgm:cxn modelId="{E3243DFA-86AB-4602-B1F0-93E6836BA04F}" type="presParOf" srcId="{067B0BA2-194F-4D1D-B6A8-18846252355B}" destId="{A2459C30-7D6F-4FE3-8C74-4D970BB3E140}" srcOrd="0" destOrd="0" presId="urn:microsoft.com/office/officeart/2005/8/layout/chevron1"/>
   </dgm:cxnLst>
   <dgm:bg/>
@@ -9812,7 +9839,7 @@
           <a:p>
             <a:fld id="{48A87A34-81AB-432B-8DAE-1953F412C126}" type="datetimeFigureOut">
               <a:rPr lang="en-US" dirty="0"/>
-              <a:t>6/28/2017</a:t>
+              <a:t>6/30/2017</a:t>
             </a:fld>
             <a:endParaRPr lang="en-US" dirty="0"/>
           </a:p>
@@ -10119,7 +10146,7 @@
           <a:p>
             <a:fld id="{48A87A34-81AB-432B-8DAE-1953F412C126}" type="datetimeFigureOut">
               <a:rPr lang="en-US" dirty="0"/>
-              <a:t>6/28/2017</a:t>
+              <a:t>6/30/2017</a:t>
             </a:fld>
             <a:endParaRPr lang="en-US" dirty="0"/>
           </a:p>
@@ -10336,7 +10363,7 @@
           <a:p>
             <a:fld id="{48A87A34-81AB-432B-8DAE-1953F412C126}" type="datetimeFigureOut">
               <a:rPr lang="en-US" dirty="0"/>
-              <a:t>6/28/2017</a:t>
+              <a:t>6/30/2017</a:t>
             </a:fld>
             <a:endParaRPr lang="en-US" dirty="0"/>
           </a:p>
@@ -10622,7 +10649,7 @@
           <a:p>
             <a:fld id="{48A87A34-81AB-432B-8DAE-1953F412C126}" type="datetimeFigureOut">
               <a:rPr lang="en-US" dirty="0"/>
-              <a:t>6/28/2017</a:t>
+              <a:t>6/30/2017</a:t>
             </a:fld>
             <a:endParaRPr lang="en-US" dirty="0"/>
           </a:p>
@@ -11071,7 +11098,7 @@
           <a:p>
             <a:fld id="{48A87A34-81AB-432B-8DAE-1953F412C126}" type="datetimeFigureOut">
               <a:rPr lang="en-US" dirty="0"/>
-              <a:t>6/28/2017</a:t>
+              <a:t>6/30/2017</a:t>
             </a:fld>
             <a:endParaRPr lang="en-US" dirty="0"/>
           </a:p>
@@ -11642,7 +11669,7 @@
           <a:p>
             <a:fld id="{48A87A34-81AB-432B-8DAE-1953F412C126}" type="datetimeFigureOut">
               <a:rPr lang="en-US" dirty="0"/>
-              <a:t>6/28/2017</a:t>
+              <a:t>6/30/2017</a:t>
             </a:fld>
             <a:endParaRPr lang="en-US" dirty="0"/>
           </a:p>
@@ -12489,7 +12516,7 @@
           <a:p>
             <a:fld id="{48A87A34-81AB-432B-8DAE-1953F412C126}" type="datetimeFigureOut">
               <a:rPr lang="en-US" dirty="0"/>
-              <a:t>6/28/2017</a:t>
+              <a:t>6/30/2017</a:t>
             </a:fld>
             <a:endParaRPr lang="en-US" dirty="0"/>
           </a:p>
@@ -12689,7 +12716,7 @@
           <a:p>
             <a:fld id="{48A87A34-81AB-432B-8DAE-1953F412C126}" type="datetimeFigureOut">
               <a:rPr lang="en-US" dirty="0"/>
-              <a:t>6/28/2017</a:t>
+              <a:t>6/30/2017</a:t>
             </a:fld>
             <a:endParaRPr lang="en-US" dirty="0"/>
           </a:p>
@@ -12898,7 +12925,7 @@
           <a:p>
             <a:fld id="{48A87A34-81AB-432B-8DAE-1953F412C126}" type="datetimeFigureOut">
               <a:rPr lang="en-US" dirty="0"/>
-              <a:t>6/28/2017</a:t>
+              <a:t>6/30/2017</a:t>
             </a:fld>
             <a:endParaRPr lang="en-US" dirty="0"/>
           </a:p>
@@ -13098,7 +13125,7 @@
           <a:p>
             <a:fld id="{48A87A34-81AB-432B-8DAE-1953F412C126}" type="datetimeFigureOut">
               <a:rPr lang="en-US" dirty="0"/>
-              <a:t>6/28/2017</a:t>
+              <a:t>6/30/2017</a:t>
             </a:fld>
             <a:endParaRPr lang="en-US" dirty="0"/>
           </a:p>
@@ -13373,7 +13400,7 @@
           <a:p>
             <a:fld id="{48A87A34-81AB-432B-8DAE-1953F412C126}" type="datetimeFigureOut">
               <a:rPr lang="en-US" dirty="0"/>
-              <a:t>6/28/2017</a:t>
+              <a:t>6/30/2017</a:t>
             </a:fld>
             <a:endParaRPr lang="en-US" dirty="0"/>
           </a:p>
@@ -13635,7 +13662,7 @@
           <a:p>
             <a:fld id="{48A87A34-81AB-432B-8DAE-1953F412C126}" type="datetimeFigureOut">
               <a:rPr lang="en-US" dirty="0"/>
-              <a:t>6/28/2017</a:t>
+              <a:t>6/30/2017</a:t>
             </a:fld>
             <a:endParaRPr lang="en-US" dirty="0"/>
           </a:p>
@@ -14045,7 +14072,7 @@
           <a:p>
             <a:fld id="{48A87A34-81AB-432B-8DAE-1953F412C126}" type="datetimeFigureOut">
               <a:rPr lang="en-US" dirty="0"/>
-              <a:t>6/28/2017</a:t>
+              <a:t>6/30/2017</a:t>
             </a:fld>
             <a:endParaRPr lang="en-US" dirty="0"/>
           </a:p>
@@ -14188,7 +14215,7 @@
           <a:p>
             <a:fld id="{48A87A34-81AB-432B-8DAE-1953F412C126}" type="datetimeFigureOut">
               <a:rPr lang="en-US" dirty="0"/>
-              <a:t>6/28/2017</a:t>
+              <a:t>6/30/2017</a:t>
             </a:fld>
             <a:endParaRPr lang="en-US" dirty="0"/>
           </a:p>
@@ -14308,7 +14335,7 @@
           <a:p>
             <a:fld id="{48A87A34-81AB-432B-8DAE-1953F412C126}" type="datetimeFigureOut">
               <a:rPr lang="en-US" dirty="0"/>
-              <a:t>6/28/2017</a:t>
+              <a:t>6/30/2017</a:t>
             </a:fld>
             <a:endParaRPr lang="en-US" dirty="0"/>
           </a:p>
@@ -14582,7 +14609,7 @@
           <a:p>
             <a:fld id="{48A87A34-81AB-432B-8DAE-1953F412C126}" type="datetimeFigureOut">
               <a:rPr lang="en-US" dirty="0"/>
-              <a:t>6/28/2017</a:t>
+              <a:t>6/30/2017</a:t>
             </a:fld>
             <a:endParaRPr lang="en-US" dirty="0"/>
           </a:p>
@@ -14889,7 +14916,7 @@
           <a:p>
             <a:fld id="{48A87A34-81AB-432B-8DAE-1953F412C126}" type="datetimeFigureOut">
               <a:rPr lang="en-US" dirty="0"/>
-              <a:t>6/28/2017</a:t>
+              <a:t>6/30/2017</a:t>
             </a:fld>
             <a:endParaRPr lang="en-US" dirty="0"/>
           </a:p>
@@ -15138,7 +15165,7 @@
             <a:fld id="{48A87A34-81AB-432B-8DAE-1953F412C126}" type="datetimeFigureOut">
               <a:rPr lang="en-US" dirty="0"/>
               <a:pPr/>
-              <a:t>6/28/2017</a:t>
+              <a:t>6/30/2017</a:t>
             </a:fld>
             <a:endParaRPr lang="en-US" dirty="0"/>
           </a:p>
@@ -16531,15 +16558,7 @@
                     <a:p>
                       <a:r>
                         <a:rPr lang="fr-FR" dirty="0" smtClean="0"/>
-                        <a:t>t1 </a:t>
-                      </a:r>
-                      <a:r>
-                        <a:rPr lang="fr-FR" dirty="0" smtClean="0"/>
-                        <a:t>&lt;: </a:t>
-                      </a:r>
-                      <a:r>
-                        <a:rPr lang="fr-FR" dirty="0" smtClean="0"/>
-                        <a:t>t2</a:t>
+                        <a:t>t1 &lt;: t2</a:t>
                       </a:r>
                       <a:endParaRPr lang="fr-FR" dirty="0"/>
                     </a:p>
@@ -16553,11 +16572,7 @@
                     <a:p>
                       <a:r>
                         <a:rPr lang="fr-FR" dirty="0" smtClean="0"/>
-                        <a:t>Relation de sous </a:t>
-                      </a:r>
-                      <a:r>
-                        <a:rPr lang="fr-FR" dirty="0" smtClean="0"/>
-                        <a:t>typage: Un type est une indication pour un ensemble de valeurs. Si l’ensemble des valeurs permises pour le type t1 est un sous des valeurs du type</a:t>
+                        <a:t>Relation de sous typage: Un type est une indication pour un ensemble de valeurs. Si l’ensemble des valeurs permises pour le type t1 est un sous des valeurs du type</a:t>
                       </a:r>
                       <a:r>
                         <a:rPr lang="fr-FR" baseline="0" dirty="0" smtClean="0"/>
@@ -17270,6 +17285,167 @@
         </p:nvSpPr>
         <p:spPr>
           <a:xfrm>
+            <a:off x="913149" y="91296"/>
+            <a:ext cx="10364451" cy="567732"/>
+          </a:xfrm>
+        </p:spPr>
+        <p:txBody>
+          <a:bodyPr>
+            <a:noAutofit/>
+          </a:bodyPr>
+          <a:lstStyle/>
+          <a:p>
+            <a:r>
+              <a:rPr lang="fr-FR" sz="1800" dirty="0"/>
+              <a:t>DEMO</a:t>
+            </a:r>
+            <a:br>
+              <a:rPr lang="fr-FR" sz="1800" dirty="0"/>
+            </a:br>
+            <a:r>
+              <a:rPr lang="fr-FR" sz="1800" dirty="0"/>
+              <a:t>https://github.com/TypeCobolTeam/TypeCobol/tree/MAYANJE_CodeDom</a:t>
+            </a:r>
+          </a:p>
+        </p:txBody>
+      </p:sp>
+      <p:pic>
+        <p:nvPicPr>
+          <p:cNvPr id="4" name="Espace réservé du contenu 3"/>
+          <p:cNvPicPr>
+            <a:picLocks noGrp="1" noChangeAspect="1"/>
+          </p:cNvPicPr>
+          <p:nvPr>
+            <p:ph sz="quarter" idx="13"/>
+          </p:nvPr>
+        </p:nvPicPr>
+        <p:blipFill>
+          <a:blip r:embed="rId2"/>
+          <a:stretch>
+            <a:fillRect/>
+          </a:stretch>
+        </p:blipFill>
+        <p:spPr>
+          <a:xfrm>
+            <a:off x="1409074" y="795638"/>
+            <a:ext cx="9372600" cy="295275"/>
+          </a:xfrm>
+          <a:prstGeom prst="rect">
+            <a:avLst/>
+          </a:prstGeom>
+        </p:spPr>
+      </p:pic>
+      <p:pic>
+        <p:nvPicPr>
+          <p:cNvPr id="5" name="Image 4"/>
+          <p:cNvPicPr>
+            <a:picLocks noChangeAspect="1"/>
+          </p:cNvPicPr>
+          <p:nvPr/>
+        </p:nvPicPr>
+        <p:blipFill>
+          <a:blip r:embed="rId3"/>
+          <a:stretch>
+            <a:fillRect/>
+          </a:stretch>
+        </p:blipFill>
+        <p:spPr>
+          <a:xfrm>
+            <a:off x="7025844" y="1227523"/>
+            <a:ext cx="4088030" cy="4844813"/>
+          </a:xfrm>
+          <a:prstGeom prst="rect">
+            <a:avLst/>
+          </a:prstGeom>
+        </p:spPr>
+      </p:pic>
+      <p:sp>
+        <p:nvSpPr>
+          <p:cNvPr id="6" name="ZoneTexte 5"/>
+          <p:cNvSpPr txBox="1"/>
+          <p:nvPr/>
+        </p:nvSpPr>
+        <p:spPr>
+          <a:xfrm>
+            <a:off x="1507524" y="1375719"/>
+            <a:ext cx="4300152" cy="646331"/>
+          </a:xfrm>
+          <a:prstGeom prst="rect">
+            <a:avLst/>
+          </a:prstGeom>
+          <a:noFill/>
+        </p:spPr>
+        <p:txBody>
+          <a:bodyPr wrap="square" rtlCol="0">
+            <a:spAutoFit/>
+          </a:bodyPr>
+          <a:lstStyle/>
+          <a:p>
+            <a:r>
+              <a:rPr lang="fr-FR" dirty="0" smtClean="0"/>
+              <a:t>Solution: </a:t>
+            </a:r>
+            <a:r>
+              <a:rPr lang="fr-FR" dirty="0" err="1" smtClean="0"/>
+              <a:t>TypeCobol_Stk</a:t>
+            </a:r>
+            <a:endParaRPr lang="fr-FR" dirty="0" smtClean="0"/>
+          </a:p>
+          <a:p>
+            <a:r>
+              <a:rPr lang="fr-FR" dirty="0" smtClean="0"/>
+              <a:t>Projet: </a:t>
+            </a:r>
+            <a:r>
+              <a:rPr lang="fr-FR" dirty="0" err="1" smtClean="0"/>
+              <a:t>TypeCobol.DocumentModel</a:t>
+            </a:r>
+            <a:endParaRPr lang="fr-FR" dirty="0"/>
+          </a:p>
+        </p:txBody>
+      </p:sp>
+    </p:spTree>
+    <p:extLst>
+      <p:ext uri="{BB962C8B-B14F-4D97-AF65-F5344CB8AC3E}">
+        <p14:creationId xmlns:p14="http://schemas.microsoft.com/office/powerpoint/2010/main" val="2588149454"/>
+      </p:ext>
+    </p:extLst>
+  </p:cSld>
+  <p:clrMapOvr>
+    <a:masterClrMapping/>
+  </p:clrMapOvr>
+</p:sld>
+</file>
+
+<file path=ppt/slides/slide17.xml><?xml version="1.0" encoding="utf-8"?>
+<p:sld xmlns:a="http://schemas.openxmlformats.org/drawingml/2006/main" xmlns:r="http://schemas.openxmlformats.org/officeDocument/2006/relationships" xmlns:p="http://schemas.openxmlformats.org/presentationml/2006/main">
+  <p:cSld>
+    <p:spTree>
+      <p:nvGrpSpPr>
+        <p:cNvPr id="1" name=""/>
+        <p:cNvGrpSpPr/>
+        <p:nvPr/>
+      </p:nvGrpSpPr>
+      <p:grpSpPr>
+        <a:xfrm>
+          <a:off x="0" y="0"/>
+          <a:ext cx="0" cy="0"/>
+          <a:chOff x="0" y="0"/>
+          <a:chExt cx="0" cy="0"/>
+        </a:xfrm>
+      </p:grpSpPr>
+      <p:sp>
+        <p:nvSpPr>
+          <p:cNvPr id="2" name="Titre 1"/>
+          <p:cNvSpPr>
+            <a:spLocks noGrp="1"/>
+          </p:cNvSpPr>
+          <p:nvPr>
+            <p:ph type="title"/>
+          </p:nvPr>
+        </p:nvSpPr>
+        <p:spPr>
+          <a:xfrm>
             <a:off x="798445" y="181232"/>
             <a:ext cx="3935688" cy="420130"/>
           </a:xfrm>
@@ -17381,7 +17557,7 @@
 </p:sld>
 </file>
 
-<file path=ppt/slides/slide17.xml><?xml version="1.0" encoding="utf-8"?>
+<file path=ppt/slides/slide18.xml><?xml version="1.0" encoding="utf-8"?>
 <p:sld xmlns:a="http://schemas.openxmlformats.org/drawingml/2006/main" xmlns:r="http://schemas.openxmlformats.org/officeDocument/2006/relationships" xmlns:p="http://schemas.openxmlformats.org/presentationml/2006/main">
   <p:cSld>
     <p:spTree>

--- a/TypeCobol_Stk/TypeCobol.DocumentModel/Documents/POC TypeCOBOL DOM.pptx
+++ b/TypeCobol_Stk/TypeCobol.DocumentModel/Documents/POC TypeCOBOL DOM.pptx
@@ -16322,7 +16322,19 @@
             </a:pPr>
             <a:r>
               <a:rPr lang="fr-FR" dirty="0" smtClean="0"/>
-              <a:t>Un type peut faire référencé a un symbole associé.</a:t>
+              <a:t>Un type peut </a:t>
+            </a:r>
+            <a:r>
+              <a:rPr lang="fr-FR" smtClean="0"/>
+              <a:t>faire </a:t>
+            </a:r>
+            <a:r>
+              <a:rPr lang="fr-FR" smtClean="0"/>
+              <a:t>référence </a:t>
+            </a:r>
+            <a:r>
+              <a:rPr lang="fr-FR" dirty="0" smtClean="0"/>
+              <a:t>a un symbole associé.</a:t>
             </a:r>
           </a:p>
           <a:p>
